--- a/Spotify Tracks Dataset.pptx
+++ b/Spotify Tracks Dataset.pptx
@@ -124,6 +124,11 @@
       </a:defRPr>
     </a:lvl9pPr>
   </p:defaultTextStyle>
+  <p:extLst>
+    <p:ext uri="{EFAFB233-063F-42B5-8137-9DF3F51BA10A}">
+      <p15:sldGuideLst xmlns:p15="http://schemas.microsoft.com/office/powerpoint/2012/main"/>
+    </p:ext>
+  </p:extLst>
 </p:presentation>
 </file>
 
@@ -7693,7 +7698,7 @@
           <a:p>
             <a:r>
               <a:rPr lang="en-US" altLang="zh-TW" sz="2000" dirty="0"/>
-              <a:t>hence only shows at most 20 types.</a:t>
+              <a:t>hence shows only 20 types at most.</a:t>
             </a:r>
             <a:endParaRPr lang="zh-TW" altLang="en-US" sz="2000" dirty="0"/>
           </a:p>
@@ -7932,7 +7937,7 @@
           <a:p>
             <a:r>
               <a:rPr lang="en-US" altLang="zh-TW" sz="2000" dirty="0"/>
-              <a:t>Discrete aspects in the collection</a:t>
+              <a:t>Continuous aspects in the collection</a:t>
             </a:r>
             <a:endParaRPr lang="zh-TW" altLang="en-US" sz="2000" dirty="0"/>
           </a:p>
@@ -8474,8 +8479,8 @@
         </p:nvCxnSpPr>
         <p:spPr>
           <a:xfrm flipH="1" flipV="1">
-            <a:off x="3870960" y="3067095"/>
-            <a:ext cx="2131987" cy="725972"/>
+            <a:off x="3835400" y="4586417"/>
+            <a:ext cx="2150533" cy="188783"/>
           </a:xfrm>
           <a:prstGeom prst="straightConnector1">
             <a:avLst/>
@@ -8513,8 +8518,8 @@
         </p:nvSpPr>
         <p:spPr>
           <a:xfrm>
-            <a:off x="6240015" y="3581400"/>
-            <a:ext cx="4454795" cy="1323439"/>
+            <a:off x="6096001" y="4504162"/>
+            <a:ext cx="5410200" cy="1631216"/>
           </a:xfrm>
           <a:prstGeom prst="rect">
             <a:avLst/>
@@ -8529,7 +8534,13 @@
           <a:p>
             <a:r>
               <a:rPr lang="en-US" altLang="zh-TW" sz="2000" dirty="0"/>
-              <a:t>The data inside scroll bars are virtualized, which only renders as you scroll near it. This massively improves performance and gives good user experience.</a:t>
+              <a:t>The data inside scroll bars are virtualized, which only renders as you scroll to it. (Instead of spending few seconds rendering everything) </a:t>
+            </a:r>
+          </a:p>
+          <a:p>
+            <a:r>
+              <a:rPr lang="en-US" altLang="zh-TW" sz="2000" dirty="0"/>
+              <a:t>This massively improves performance, giving good user experience.</a:t>
             </a:r>
             <a:endParaRPr lang="zh-TW" altLang="en-US" sz="2000" dirty="0"/>
           </a:p>
@@ -8551,8 +8562,8 @@
         </p:nvCxnSpPr>
         <p:spPr>
           <a:xfrm flipH="1">
-            <a:off x="2802469" y="4157133"/>
-            <a:ext cx="3200478" cy="980948"/>
+            <a:off x="2802471" y="4961467"/>
+            <a:ext cx="3183462" cy="215008"/>
           </a:xfrm>
           <a:prstGeom prst="straightConnector1">
             <a:avLst/>
@@ -8592,8 +8603,8 @@
         </p:nvCxnSpPr>
         <p:spPr>
           <a:xfrm flipH="1">
-            <a:off x="3870961" y="2539500"/>
-            <a:ext cx="2097960" cy="0"/>
+            <a:off x="3767668" y="2074333"/>
+            <a:ext cx="2099732" cy="190235"/>
           </a:xfrm>
           <a:prstGeom prst="straightConnector1">
             <a:avLst/>
@@ -8631,7 +8642,7 @@
         </p:nvSpPr>
         <p:spPr>
           <a:xfrm>
-            <a:off x="6238084" y="2292534"/>
+            <a:off x="5985933" y="1776224"/>
             <a:ext cx="4563452" cy="646331"/>
           </a:xfrm>
           <a:prstGeom prst="rect">
@@ -8653,6 +8664,82 @@
             <a:r>
               <a:rPr lang="en-US" altLang="zh-TW" dirty="0"/>
               <a:t>for the user even if there are some typos. </a:t>
+            </a:r>
+            <a:endParaRPr lang="zh-TW" altLang="en-US" dirty="0"/>
+          </a:p>
+        </p:txBody>
+      </p:sp>
+      <p:cxnSp>
+        <p:nvCxnSpPr>
+          <p:cNvPr id="14" name="直線單箭頭接點 13">
+            <a:extLst>
+              <a:ext uri="{FF2B5EF4-FFF2-40B4-BE49-F238E27FC236}">
+                <a16:creationId xmlns:a16="http://schemas.microsoft.com/office/drawing/2014/main" id="{0410453C-B769-4D91-B3AE-F640E6CA6251}"/>
+              </a:ext>
+            </a:extLst>
+          </p:cNvPr>
+          <p:cNvCxnSpPr>
+            <a:cxnSpLocks/>
+          </p:cNvCxnSpPr>
+          <p:nvPr/>
+        </p:nvCxnSpPr>
+        <p:spPr>
+          <a:xfrm flipH="1">
+            <a:off x="3508251" y="3112221"/>
+            <a:ext cx="2477682" cy="9140"/>
+          </a:xfrm>
+          <a:prstGeom prst="straightConnector1">
+            <a:avLst/>
+          </a:prstGeom>
+          <a:ln w="57150">
+            <a:tailEnd type="triangle"/>
+          </a:ln>
+        </p:spPr>
+        <p:style>
+          <a:lnRef idx="1">
+            <a:schemeClr val="accent1"/>
+          </a:lnRef>
+          <a:fillRef idx="0">
+            <a:schemeClr val="accent1"/>
+          </a:fillRef>
+          <a:effectRef idx="0">
+            <a:schemeClr val="accent1"/>
+          </a:effectRef>
+          <a:fontRef idx="minor">
+            <a:schemeClr val="tx1"/>
+          </a:fontRef>
+        </p:style>
+      </p:cxnSp>
+      <p:sp>
+        <p:nvSpPr>
+          <p:cNvPr id="17" name="矩形 16">
+            <a:extLst>
+              <a:ext uri="{FF2B5EF4-FFF2-40B4-BE49-F238E27FC236}">
+                <a16:creationId xmlns:a16="http://schemas.microsoft.com/office/drawing/2014/main" id="{F524C1EF-2CDC-459D-9B6A-D5F1F3050057}"/>
+              </a:ext>
+            </a:extLst>
+          </p:cNvPr>
+          <p:cNvSpPr/>
+          <p:nvPr/>
+        </p:nvSpPr>
+        <p:spPr>
+          <a:xfrm>
+            <a:off x="6096000" y="2815074"/>
+            <a:ext cx="3508587" cy="646331"/>
+          </a:xfrm>
+          <a:prstGeom prst="rect">
+            <a:avLst/>
+          </a:prstGeom>
+        </p:spPr>
+        <p:txBody>
+          <a:bodyPr wrap="square">
+            <a:spAutoFit/>
+          </a:bodyPr>
+          <a:lstStyle/>
+          <a:p>
+            <a:r>
+              <a:rPr lang="en-US" altLang="zh-TW" dirty="0"/>
+              <a:t>User can select all the tracks once, or tick the tracks one by one. </a:t>
             </a:r>
             <a:endParaRPr lang="zh-TW" altLang="en-US" dirty="0"/>
           </a:p>
@@ -8748,7 +8835,7 @@
           <a:p>
             <a:r>
               <a:rPr lang="en-US" altLang="zh-TW" sz="2400" dirty="0"/>
-              <a:t>I will demo 2 use cases, and show only the important steps and graphs.</a:t>
+              <a:t>I will demo 2 use cases, and show only the key steps and graphs.</a:t>
             </a:r>
             <a:endParaRPr lang="zh-TW" altLang="en-US" sz="2400" dirty="0"/>
           </a:p>
